--- a/meeting-3-conditionals-motor/Girl Scouts LEGO Robotics - Meeting 3 - Conditionals.pptx
+++ b/meeting-3-conditionals-motor/Girl Scouts LEGO Robotics - Meeting 3 - Conditionals.pptx
@@ -9738,7 +9738,7 @@
             <a:pPr lvl="1"/>
             <a:r>
               <a:rPr lang="en-US" dirty="0" smtClean="0"/>
-              <a:t>Did you do your homework?</a:t>
+              <a:t>Any trouble with your homework?</a:t>
             </a:r>
             <a:endParaRPr lang="en-US" dirty="0" smtClean="0"/>
           </a:p>
@@ -9867,12 +9867,56 @@
             <p:ph idx="1"/>
           </p:nvPr>
         </p:nvSpPr>
-        <p:spPr/>
+        <p:spPr>
+          <a:xfrm>
+            <a:off x="1043492" y="2323653"/>
+            <a:ext cx="6777317" cy="1638748"/>
+          </a:xfrm>
+        </p:spPr>
         <p:txBody>
           <a:bodyPr/>
           <a:lstStyle/>
           <a:p>
             <a:pPr lvl="1"/>
+            <a:r>
+              <a:rPr lang="en-US" dirty="0"/>
+              <a:t>m = </a:t>
+            </a:r>
+            <a:r>
+              <a:rPr lang="en-US" dirty="0" err="1"/>
+              <a:t>LargeMotor</a:t>
+            </a:r>
+            <a:r>
+              <a:rPr lang="en-US" dirty="0"/>
+              <a:t>('</a:t>
+            </a:r>
+            <a:r>
+              <a:rPr lang="en-US" dirty="0" err="1"/>
+              <a:t>outC</a:t>
+            </a:r>
+            <a:r>
+              <a:rPr lang="en-US" dirty="0"/>
+              <a:t>')</a:t>
+            </a:r>
+          </a:p>
+          <a:p>
+            <a:pPr lvl="1"/>
+            <a:r>
+              <a:rPr lang="en-US" dirty="0" err="1"/>
+              <a:t>m.run_to_rel_pos</a:t>
+            </a:r>
+            <a:r>
+              <a:rPr lang="en-US" dirty="0"/>
+              <a:t>(</a:t>
+            </a:r>
+            <a:r>
+              <a:rPr lang="en-US" dirty="0" err="1"/>
+              <a:t>position_sp</a:t>
+            </a:r>
+            <a:r>
+              <a:rPr lang="en-US" dirty="0"/>
+              <a:t>=360,speed_sp=900,stop_action="hold")</a:t>
+            </a:r>
             <a:endParaRPr lang="en-US" dirty="0"/>
           </a:p>
         </p:txBody>
@@ -9954,7 +9998,47 @@
                   <a:schemeClr val="bg1"/>
                 </a:solidFill>
               </a:rPr>
-              <a:t>&gt;&gt;&gt;     print(“Allie”)</a:t>
+              <a:t>&gt;&gt;&gt;     </a:t>
+            </a:r>
+            <a:r>
+              <a:rPr lang="en-US" dirty="0">
+                <a:solidFill>
+                  <a:schemeClr val="bg1"/>
+                </a:solidFill>
+              </a:rPr>
+              <a:t>m = </a:t>
+            </a:r>
+            <a:r>
+              <a:rPr lang="en-US" dirty="0" err="1">
+                <a:solidFill>
+                  <a:schemeClr val="bg1"/>
+                </a:solidFill>
+              </a:rPr>
+              <a:t>LargeMotor</a:t>
+            </a:r>
+            <a:r>
+              <a:rPr lang="en-US" dirty="0">
+                <a:solidFill>
+                  <a:schemeClr val="bg1"/>
+                </a:solidFill>
+              </a:rPr>
+              <a:t>('</a:t>
+            </a:r>
+            <a:r>
+              <a:rPr lang="en-US" dirty="0" err="1">
+                <a:solidFill>
+                  <a:schemeClr val="bg1"/>
+                </a:solidFill>
+              </a:rPr>
+              <a:t>outC</a:t>
+            </a:r>
+            <a:r>
+              <a:rPr lang="en-US" dirty="0" smtClean="0">
+                <a:solidFill>
+                  <a:schemeClr val="bg1"/>
+                </a:solidFill>
+              </a:rPr>
+              <a:t>')</a:t>
             </a:r>
             <a:endParaRPr lang="en-US" dirty="0">
               <a:solidFill>
@@ -9964,27 +10048,84 @@
           </a:p>
           <a:p>
             <a:r>
+              <a:rPr lang="en-US" dirty="0">
+                <a:solidFill>
+                  <a:schemeClr val="bg1"/>
+                </a:solidFill>
+              </a:rPr>
+              <a:t>&gt;&gt;&gt; </a:t>
+            </a:r>
+            <a:r>
+              <a:rPr lang="en-US" dirty="0" err="1">
+                <a:solidFill>
+                  <a:schemeClr val="bg1"/>
+                </a:solidFill>
+              </a:rPr>
+              <a:t>m.run_to_rel_pos</a:t>
+            </a:r>
+            <a:r>
+              <a:rPr lang="en-US" dirty="0">
+                <a:solidFill>
+                  <a:schemeClr val="bg1"/>
+                </a:solidFill>
+              </a:rPr>
+              <a:t>(</a:t>
+            </a:r>
+            <a:r>
+              <a:rPr lang="en-US" dirty="0" err="1">
+                <a:solidFill>
+                  <a:schemeClr val="bg1"/>
+                </a:solidFill>
+              </a:rPr>
+              <a:t>position_sp</a:t>
+            </a:r>
+            <a:r>
+              <a:rPr lang="en-US" dirty="0">
+                <a:solidFill>
+                  <a:schemeClr val="bg1"/>
+                </a:solidFill>
+              </a:rPr>
+              <a:t>=360</a:t>
+            </a:r>
+            <a:r>
               <a:rPr lang="en-US" dirty="0" smtClean="0">
                 <a:solidFill>
                   <a:schemeClr val="bg1"/>
                 </a:solidFill>
               </a:rPr>
-              <a:t>Allie</a:t>
-            </a:r>
-            <a:endParaRPr lang="en-US" dirty="0">
-              <a:solidFill>
-                <a:schemeClr val="bg1"/>
-              </a:solidFill>
-            </a:endParaRPr>
-          </a:p>
-          <a:p>
+              <a:t>, </a:t>
+            </a:r>
+            <a:r>
+              <a:rPr lang="en-US" dirty="0" err="1" smtClean="0">
+                <a:solidFill>
+                  <a:schemeClr val="bg1"/>
+                </a:solidFill>
+              </a:rPr>
+              <a:t>speed_sp</a:t>
+            </a:r>
             <a:r>
               <a:rPr lang="en-US" dirty="0" smtClean="0">
                 <a:solidFill>
                   <a:schemeClr val="bg1"/>
                 </a:solidFill>
               </a:rPr>
-              <a:t>&gt;&gt;&gt;</a:t>
+              <a:t>=900, </a:t>
+            </a:r>
+            <a:r>
+              <a:rPr lang="en-US" dirty="0" err="1" smtClean="0">
+                <a:solidFill>
+                  <a:schemeClr val="bg1"/>
+                </a:solidFill>
+              </a:rPr>
+              <a:t>stop_action</a:t>
+            </a:r>
+            <a:r>
+              <a:rPr lang="en-US" dirty="0">
+                <a:solidFill>
+                  <a:schemeClr val="bg1"/>
+                </a:solidFill>
+              </a:rPr>
+              <a:t>="hold")</a:t>
             </a:r>
             <a:endParaRPr lang="en-US" dirty="0">
               <a:solidFill>
@@ -10118,6 +10259,16 @@
         <p:txBody>
           <a:bodyPr/>
           <a:lstStyle/>
+          <a:p>
+            <a:r>
+              <a:rPr lang="en-US" dirty="0" smtClean="0"/>
+              <a:t>Same things you </a:t>
+            </a:r>
+            <a:r>
+              <a:rPr lang="en-US" smtClean="0"/>
+              <a:t>just learned</a:t>
+            </a:r>
+          </a:p>
           <a:p>
             <a:endParaRPr lang="en-US" dirty="0"/>
           </a:p>

--- a/meeting-3-conditionals-motor/Girl Scouts LEGO Robotics - Meeting 3 - Conditionals.pptx
+++ b/meeting-3-conditionals-motor/Girl Scouts LEGO Robotics - Meeting 3 - Conditionals.pptx
@@ -5,7 +5,7 @@
     <p:sldMasterId id="2147483660" r:id="rId1"/>
   </p:sldMasterIdLst>
   <p:notesMasterIdLst>
-    <p:notesMasterId r:id="rId12"/>
+    <p:notesMasterId r:id="rId11"/>
   </p:notesMasterIdLst>
   <p:sldIdLst>
     <p:sldId id="256" r:id="rId2"/>
@@ -13,11 +13,10 @@
     <p:sldId id="281" r:id="rId4"/>
     <p:sldId id="270" r:id="rId5"/>
     <p:sldId id="282" r:id="rId6"/>
-    <p:sldId id="284" r:id="rId7"/>
-    <p:sldId id="280" r:id="rId8"/>
-    <p:sldId id="283" r:id="rId9"/>
-    <p:sldId id="285" r:id="rId10"/>
-    <p:sldId id="264" r:id="rId11"/>
+    <p:sldId id="280" r:id="rId7"/>
+    <p:sldId id="283" r:id="rId8"/>
+    <p:sldId id="285" r:id="rId9"/>
+    <p:sldId id="264" r:id="rId10"/>
   </p:sldIdLst>
   <p:sldSz cx="9144000" cy="6858000" type="screen4x3"/>
   <p:notesSz cx="6858000" cy="9144000"/>
@@ -549,104 +548,6 @@
             <a:fld id="{5444236B-8A05-4286-9B6C-A0A9590B747F}" type="slidenum">
               <a:rPr lang="en-US" smtClean="0"/>
               <a:t>4</a:t>
-            </a:fld>
-            <a:endParaRPr lang="en-US"/>
-          </a:p>
-        </p:txBody>
-      </p:sp>
-    </p:spTree>
-    <p:extLst>
-      <p:ext uri="{BB962C8B-B14F-4D97-AF65-F5344CB8AC3E}">
-        <p14:creationId xmlns:p14="http://schemas.microsoft.com/office/powerpoint/2010/main" val="2270358264"/>
-      </p:ext>
-    </p:extLst>
-  </p:cSld>
-  <p:clrMapOvr>
-    <a:masterClrMapping/>
-  </p:clrMapOvr>
-</p:notes>
-</file>
-
-<file path=ppt/notesSlides/notesSlide2.xml><?xml version="1.0" encoding="utf-8"?>
-<p:notes xmlns:a="http://schemas.openxmlformats.org/drawingml/2006/main" xmlns:r="http://schemas.openxmlformats.org/officeDocument/2006/relationships" xmlns:p="http://schemas.openxmlformats.org/presentationml/2006/main">
-  <p:cSld>
-    <p:spTree>
-      <p:nvGrpSpPr>
-        <p:cNvPr id="1" name=""/>
-        <p:cNvGrpSpPr/>
-        <p:nvPr/>
-      </p:nvGrpSpPr>
-      <p:grpSpPr>
-        <a:xfrm>
-          <a:off x="0" y="0"/>
-          <a:ext cx="0" cy="0"/>
-          <a:chOff x="0" y="0"/>
-          <a:chExt cx="0" cy="0"/>
-        </a:xfrm>
-      </p:grpSpPr>
-      <p:sp>
-        <p:nvSpPr>
-          <p:cNvPr id="2" name="Slide Image Placeholder 1"/>
-          <p:cNvSpPr>
-            <a:spLocks noGrp="1" noRot="1" noChangeAspect="1"/>
-          </p:cNvSpPr>
-          <p:nvPr>
-            <p:ph type="sldImg"/>
-          </p:nvPr>
-        </p:nvSpPr>
-        <p:spPr/>
-      </p:sp>
-      <p:sp>
-        <p:nvSpPr>
-          <p:cNvPr id="3" name="Notes Placeholder 2"/>
-          <p:cNvSpPr>
-            <a:spLocks noGrp="1"/>
-          </p:cNvSpPr>
-          <p:nvPr>
-            <p:ph type="body" idx="1"/>
-          </p:nvPr>
-        </p:nvSpPr>
-        <p:spPr/>
-        <p:txBody>
-          <a:bodyPr/>
-          <a:lstStyle/>
-          <a:p>
-            <a:r>
-              <a:rPr lang="en-US" dirty="0" err="1" smtClean="0"/>
-              <a:t>Efrom</a:t>
-            </a:r>
-            <a:r>
-              <a:rPr lang="en-US" dirty="0" smtClean="0"/>
-              <a:t> </a:t>
-            </a:r>
-          </a:p>
-          <a:p>
-            <a:r>
-              <a:rPr lang="en-US" dirty="0" smtClean="0"/>
-              <a:t>Nathan</a:t>
-            </a:r>
-            <a:endParaRPr lang="en-US" dirty="0"/>
-          </a:p>
-        </p:txBody>
-      </p:sp>
-      <p:sp>
-        <p:nvSpPr>
-          <p:cNvPr id="4" name="Slide Number Placeholder 3"/>
-          <p:cNvSpPr>
-            <a:spLocks noGrp="1"/>
-          </p:cNvSpPr>
-          <p:nvPr>
-            <p:ph type="sldNum" sz="quarter" idx="10"/>
-          </p:nvPr>
-        </p:nvSpPr>
-        <p:spPr/>
-        <p:txBody>
-          <a:bodyPr/>
-          <a:lstStyle/>
-          <a:p>
-            <a:fld id="{5444236B-8A05-4286-9B6C-A0A9590B747F}" type="slidenum">
-              <a:rPr lang="en-US" smtClean="0"/>
-              <a:t>6</a:t>
             </a:fld>
             <a:endParaRPr lang="en-US"/>
           </a:p>
@@ -9557,99 +9458,6 @@
 </p:sld>
 </file>
 
-<file path=ppt/slides/slide10.xml><?xml version="1.0" encoding="utf-8"?>
-<p:sld xmlns:a="http://schemas.openxmlformats.org/drawingml/2006/main" xmlns:r="http://schemas.openxmlformats.org/officeDocument/2006/relationships" xmlns:p="http://schemas.openxmlformats.org/presentationml/2006/main">
-  <p:cSld>
-    <p:spTree>
-      <p:nvGrpSpPr>
-        <p:cNvPr id="1" name=""/>
-        <p:cNvGrpSpPr/>
-        <p:nvPr/>
-      </p:nvGrpSpPr>
-      <p:grpSpPr>
-        <a:xfrm>
-          <a:off x="0" y="0"/>
-          <a:ext cx="0" cy="0"/>
-          <a:chOff x="0" y="0"/>
-          <a:chExt cx="0" cy="0"/>
-        </a:xfrm>
-      </p:grpSpPr>
-      <p:sp>
-        <p:nvSpPr>
-          <p:cNvPr id="2" name="Title 1"/>
-          <p:cNvSpPr>
-            <a:spLocks noGrp="1"/>
-          </p:cNvSpPr>
-          <p:nvPr>
-            <p:ph type="title"/>
-          </p:nvPr>
-        </p:nvSpPr>
-        <p:spPr/>
-        <p:txBody>
-          <a:bodyPr/>
-          <a:lstStyle/>
-          <a:p>
-            <a:r>
-              <a:rPr lang="en-US" dirty="0" smtClean="0"/>
-              <a:t>Next</a:t>
-            </a:r>
-            <a:r>
-              <a:rPr lang="en-US" baseline="0" dirty="0" smtClean="0"/>
-              <a:t> Meeting</a:t>
-            </a:r>
-            <a:endParaRPr lang="en-US" dirty="0"/>
-          </a:p>
-        </p:txBody>
-      </p:sp>
-      <p:sp>
-        <p:nvSpPr>
-          <p:cNvPr id="3" name="Content Placeholder 2"/>
-          <p:cNvSpPr>
-            <a:spLocks noGrp="1"/>
-          </p:cNvSpPr>
-          <p:nvPr>
-            <p:ph idx="1"/>
-          </p:nvPr>
-        </p:nvSpPr>
-        <p:spPr/>
-        <p:txBody>
-          <a:bodyPr/>
-          <a:lstStyle/>
-          <a:p>
-            <a:r>
-              <a:rPr lang="en-US" dirty="0" smtClean="0"/>
-              <a:t>Loops</a:t>
-            </a:r>
-            <a:endParaRPr lang="en-US" dirty="0" smtClean="0"/>
-          </a:p>
-          <a:p>
-            <a:r>
-              <a:rPr lang="en-US" dirty="0" smtClean="0"/>
-              <a:t>Using a switch</a:t>
-            </a:r>
-          </a:p>
-        </p:txBody>
-      </p:sp>
-    </p:spTree>
-    <p:extLst>
-      <p:ext uri="{BB962C8B-B14F-4D97-AF65-F5344CB8AC3E}">
-        <p14:creationId xmlns:p14="http://schemas.microsoft.com/office/powerpoint/2010/main" val="4160253935"/>
-      </p:ext>
-    </p:extLst>
-  </p:cSld>
-  <p:clrMapOvr>
-    <a:masterClrMapping/>
-  </p:clrMapOvr>
-  <p:timing>
-    <p:tnLst>
-      <p:par>
-        <p:cTn id="1" dur="indefinite" restart="never" nodeType="tmRoot"/>
-      </p:par>
-    </p:tnLst>
-  </p:timing>
-</p:sld>
-</file>
-
 <file path=ppt/slides/slide2.xml><?xml version="1.0" encoding="utf-8"?>
 <p:sld xmlns:a="http://schemas.openxmlformats.org/drawingml/2006/main" xmlns:r="http://schemas.openxmlformats.org/officeDocument/2006/relationships" xmlns:p="http://schemas.openxmlformats.org/presentationml/2006/main">
   <p:cSld>
@@ -10262,11 +10070,7 @@
           <a:p>
             <a:r>
               <a:rPr lang="en-US" dirty="0" smtClean="0"/>
-              <a:t>Same things you </a:t>
-            </a:r>
-            <a:r>
-              <a:rPr lang="en-US" smtClean="0"/>
-              <a:t>just learned</a:t>
+              <a:t>Same things you just learned</a:t>
             </a:r>
           </a:p>
           <a:p>
@@ -10313,165 +10117,7 @@
       </p:grpSpPr>
       <p:sp>
         <p:nvSpPr>
-          <p:cNvPr id="4" name="TextBox 3"/>
-          <p:cNvSpPr txBox="1"/>
-          <p:nvPr/>
-        </p:nvSpPr>
-        <p:spPr>
-          <a:xfrm>
-            <a:off x="990600" y="2057400"/>
-            <a:ext cx="7239000" cy="3962400"/>
-          </a:xfrm>
-          <a:prstGeom prst="rect">
-            <a:avLst/>
-          </a:prstGeom>
-          <a:solidFill>
-            <a:schemeClr val="tx1"/>
-          </a:solidFill>
-        </p:spPr>
-        <p:txBody>
-          <a:bodyPr wrap="square" rtlCol="0">
-            <a:noAutofit/>
-          </a:bodyPr>
-          <a:lstStyle/>
-          <a:p>
-            <a:r>
-              <a:rPr lang="en-US" dirty="0" smtClean="0">
-                <a:solidFill>
-                  <a:schemeClr val="bg1"/>
-                </a:solidFill>
-              </a:rPr>
-              <a:t>Python</a:t>
-            </a:r>
-          </a:p>
-          <a:p>
-            <a:r>
-              <a:rPr lang="en-US" dirty="0">
-                <a:solidFill>
-                  <a:schemeClr val="bg1"/>
-                </a:solidFill>
-              </a:rPr>
-              <a:t>&gt;&gt;&gt; </a:t>
-            </a:r>
-            <a:r>
-              <a:rPr lang="en-US" dirty="0" err="1" smtClean="0">
-                <a:solidFill>
-                  <a:schemeClr val="bg1"/>
-                </a:solidFill>
-              </a:rPr>
-              <a:t>def</a:t>
-            </a:r>
-            <a:r>
-              <a:rPr lang="en-US" dirty="0" smtClean="0">
-                <a:solidFill>
-                  <a:schemeClr val="bg1"/>
-                </a:solidFill>
-              </a:rPr>
-              <a:t> </a:t>
-            </a:r>
-            <a:r>
-              <a:rPr lang="en-US" dirty="0" err="1" smtClean="0">
-                <a:solidFill>
-                  <a:schemeClr val="bg1"/>
-                </a:solidFill>
-              </a:rPr>
-              <a:t>saymyname</a:t>
-            </a:r>
-            <a:r>
-              <a:rPr lang="en-US" dirty="0" smtClean="0">
-                <a:solidFill>
-                  <a:schemeClr val="bg1"/>
-                </a:solidFill>
-              </a:rPr>
-              <a:t>(name):</a:t>
-            </a:r>
-            <a:endParaRPr lang="en-US" dirty="0">
-              <a:solidFill>
-                <a:schemeClr val="bg1"/>
-              </a:solidFill>
-            </a:endParaRPr>
-          </a:p>
-          <a:p>
-            <a:r>
-              <a:rPr lang="en-US" dirty="0">
-                <a:solidFill>
-                  <a:schemeClr val="bg1"/>
-                </a:solidFill>
-              </a:rPr>
-              <a:t>&gt;&gt;&gt; </a:t>
-            </a:r>
-            <a:r>
-              <a:rPr lang="en-US" dirty="0" smtClean="0">
-                <a:solidFill>
-                  <a:schemeClr val="bg1"/>
-                </a:solidFill>
-              </a:rPr>
-              <a:t>    print(name)</a:t>
-            </a:r>
-            <a:endParaRPr lang="en-US" dirty="0">
-              <a:solidFill>
-                <a:schemeClr val="bg1"/>
-              </a:solidFill>
-            </a:endParaRPr>
-          </a:p>
-          <a:p>
-            <a:endParaRPr lang="en-US" dirty="0">
-              <a:solidFill>
-                <a:schemeClr val="bg1"/>
-              </a:solidFill>
-            </a:endParaRPr>
-          </a:p>
-          <a:p>
-            <a:r>
-              <a:rPr lang="en-US" dirty="0">
-                <a:solidFill>
-                  <a:schemeClr val="bg1"/>
-                </a:solidFill>
-              </a:rPr>
-              <a:t>&gt;&gt;&gt; </a:t>
-            </a:r>
-            <a:r>
-              <a:rPr lang="en-US" dirty="0" err="1" smtClean="0">
-                <a:solidFill>
-                  <a:schemeClr val="bg1"/>
-                </a:solidFill>
-              </a:rPr>
-              <a:t>saymyname</a:t>
-            </a:r>
-            <a:r>
-              <a:rPr lang="en-US" dirty="0" smtClean="0">
-                <a:solidFill>
-                  <a:schemeClr val="bg1"/>
-                </a:solidFill>
-              </a:rPr>
-              <a:t>(“Allie”)</a:t>
-            </a:r>
-            <a:endParaRPr lang="en-US" dirty="0">
-              <a:solidFill>
-                <a:schemeClr val="bg1"/>
-              </a:solidFill>
-            </a:endParaRPr>
-          </a:p>
-          <a:p>
-            <a:r>
-              <a:rPr lang="en-US" dirty="0" smtClean="0">
-                <a:solidFill>
-                  <a:schemeClr val="bg1"/>
-                </a:solidFill>
-              </a:rPr>
-              <a:t>&gt;&gt;&gt;</a:t>
-            </a:r>
-            <a:endParaRPr lang="en-US" dirty="0">
-              <a:solidFill>
-                <a:schemeClr val="bg1"/>
-              </a:solidFill>
-            </a:endParaRPr>
-          </a:p>
-        </p:txBody>
-      </p:sp>
-      <p:sp>
-        <p:nvSpPr>
-          <p:cNvPr id="5" name="Title 4"/>
+          <p:cNvPr id="2" name="Title 1"/>
           <p:cNvSpPr>
             <a:spLocks noGrp="1"/>
           </p:cNvSpPr>
@@ -10479,38 +10125,44 @@
             <p:ph type="title"/>
           </p:nvPr>
         </p:nvSpPr>
-        <p:spPr>
-          <a:xfrm>
-            <a:off x="914400" y="609600"/>
-            <a:ext cx="7024744" cy="1143000"/>
-          </a:xfrm>
-        </p:spPr>
+        <p:spPr/>
         <p:txBody>
           <a:bodyPr>
-            <a:normAutofit fontScale="90000"/>
+            <a:normAutofit/>
           </a:bodyPr>
           <a:lstStyle/>
           <a:p>
             <a:r>
               <a:rPr lang="en-US" dirty="0" smtClean="0"/>
-              <a:t>Hands-on</a:t>
-            </a:r>
-            <a:r>
-              <a:rPr lang="en-US" baseline="0" dirty="0" smtClean="0"/>
-              <a:t> </a:t>
-            </a:r>
-            <a:r>
-              <a:rPr lang="en-US" dirty="0" smtClean="0"/>
-              <a:t>1 – Program to Print Your Name</a:t>
+              <a:t>Using a Text Editor</a:t>
             </a:r>
             <a:endParaRPr lang="en-US" dirty="0"/>
+          </a:p>
+        </p:txBody>
+      </p:sp>
+      <p:sp>
+        <p:nvSpPr>
+          <p:cNvPr id="3" name="Content Placeholder 2"/>
+          <p:cNvSpPr>
+            <a:spLocks noGrp="1"/>
+          </p:cNvSpPr>
+          <p:nvPr>
+            <p:ph idx="1"/>
+          </p:nvPr>
+        </p:nvSpPr>
+        <p:spPr/>
+        <p:txBody>
+          <a:bodyPr/>
+          <a:lstStyle/>
+          <a:p>
+            <a:endParaRPr lang="en-US" dirty="0" smtClean="0"/>
           </a:p>
         </p:txBody>
       </p:sp>
     </p:spTree>
     <p:extLst>
       <p:ext uri="{BB962C8B-B14F-4D97-AF65-F5344CB8AC3E}">
-        <p14:creationId xmlns:p14="http://schemas.microsoft.com/office/powerpoint/2010/main" val="806284447"/>
+        <p14:creationId xmlns:p14="http://schemas.microsoft.com/office/powerpoint/2010/main" val="1436682877"/>
       </p:ext>
     </p:extLst>
   </p:cSld>
@@ -10563,7 +10215,7 @@
           <a:p>
             <a:r>
               <a:rPr lang="en-US" dirty="0" smtClean="0"/>
-              <a:t>Using a Text Editor</a:t>
+              <a:t>Conditionals</a:t>
             </a:r>
             <a:endParaRPr lang="en-US" dirty="0"/>
           </a:p>
@@ -10584,14 +10236,70 @@
           <a:bodyPr/>
           <a:lstStyle/>
           <a:p>
-            <a:endParaRPr lang="en-US" dirty="0" smtClean="0"/>
+            <a:pPr lvl="1"/>
+            <a:r>
+              <a:rPr lang="en-US" dirty="0" smtClean="0"/>
+              <a:t>IF…ELSE</a:t>
+            </a:r>
+          </a:p>
+          <a:p>
+            <a:pPr lvl="1"/>
+            <a:r>
+              <a:rPr lang="en-US" dirty="0" smtClean="0"/>
+              <a:t>if flip == 1:</a:t>
+            </a:r>
+          </a:p>
+          <a:p>
+            <a:pPr lvl="2"/>
+            <a:r>
+              <a:rPr lang="en-US" dirty="0" err="1" smtClean="0"/>
+              <a:t>sound.speak</a:t>
+            </a:r>
+            <a:r>
+              <a:rPr lang="en-US" dirty="0" smtClean="0"/>
+              <a:t>(“heads”).</a:t>
+            </a:r>
+            <a:r>
+              <a:rPr lang="en-US" dirty="0"/>
+              <a:t>wait</a:t>
+            </a:r>
+            <a:r>
+              <a:rPr lang="en-US" dirty="0" smtClean="0"/>
+              <a:t>()</a:t>
+            </a:r>
+          </a:p>
+          <a:p>
+            <a:pPr lvl="1"/>
+            <a:r>
+              <a:rPr lang="en-US" dirty="0" smtClean="0"/>
+              <a:t>Else:</a:t>
+            </a:r>
+          </a:p>
+          <a:p>
+            <a:pPr lvl="2"/>
+            <a:r>
+              <a:rPr lang="en-US" dirty="0" err="1"/>
+              <a:t>sound.speak</a:t>
+            </a:r>
+            <a:r>
+              <a:rPr lang="en-US" smtClean="0"/>
+              <a:t>(“tails”).</a:t>
+            </a:r>
+            <a:r>
+              <a:rPr lang="en-US" dirty="0"/>
+              <a:t>wait()</a:t>
+            </a:r>
+          </a:p>
+          <a:p>
+            <a:pPr lvl="2"/>
+            <a:endParaRPr lang="en-US" dirty="0"/>
           </a:p>
         </p:txBody>
       </p:sp>
     </p:spTree>
     <p:extLst>
       <p:ext uri="{BB962C8B-B14F-4D97-AF65-F5344CB8AC3E}">
-        <p14:creationId xmlns:p14="http://schemas.microsoft.com/office/powerpoint/2010/main" val="1436682877"/>
+        <p14:creationId xmlns:p14="http://schemas.microsoft.com/office/powerpoint/2010/main" val="4022852269"/>
       </p:ext>
     </p:extLst>
   </p:cSld>
@@ -10637,14 +10345,12 @@
         </p:nvSpPr>
         <p:spPr/>
         <p:txBody>
-          <a:bodyPr>
-            <a:normAutofit/>
-          </a:bodyPr>
+          <a:bodyPr/>
           <a:lstStyle/>
           <a:p>
             <a:r>
               <a:rPr lang="en-US" dirty="0" smtClean="0"/>
-              <a:t>Conditionals</a:t>
+              <a:t>Homework</a:t>
             </a:r>
             <a:endParaRPr lang="en-US" dirty="0"/>
           </a:p>
@@ -10667,30 +10373,20 @@
           <a:p>
             <a:r>
               <a:rPr lang="en-US" dirty="0" smtClean="0"/>
-              <a:t>Same program as the one your wrote except a different command from print</a:t>
-            </a:r>
-          </a:p>
-          <a:p>
-            <a:pPr lvl="1"/>
-            <a:r>
-              <a:rPr lang="en-US" dirty="0" err="1" smtClean="0"/>
-              <a:t>sound.speak</a:t>
+              <a:t>Write </a:t>
             </a:r>
             <a:r>
               <a:rPr lang="en-US" dirty="0" smtClean="0"/>
-              <a:t>(name).</a:t>
-            </a:r>
-            <a:r>
-              <a:rPr lang="en-US" dirty="0"/>
-              <a:t>wait()</a:t>
-            </a:r>
+              <a:t>a program that accepts your first and last name and then prints them combined</a:t>
+            </a:r>
+            <a:endParaRPr lang="en-US" dirty="0"/>
           </a:p>
         </p:txBody>
       </p:sp>
     </p:spTree>
     <p:extLst>
       <p:ext uri="{BB962C8B-B14F-4D97-AF65-F5344CB8AC3E}">
-        <p14:creationId xmlns:p14="http://schemas.microsoft.com/office/powerpoint/2010/main" val="4022852269"/>
+        <p14:creationId xmlns:p14="http://schemas.microsoft.com/office/powerpoint/2010/main" val="486156508"/>
       </p:ext>
     </p:extLst>
   </p:cSld>
@@ -10741,7 +10437,11 @@
           <a:p>
             <a:r>
               <a:rPr lang="en-US" dirty="0" smtClean="0"/>
-              <a:t>Homework</a:t>
+              <a:t>Next</a:t>
+            </a:r>
+            <a:r>
+              <a:rPr lang="en-US" baseline="0" dirty="0" smtClean="0"/>
+              <a:t> Meeting</a:t>
             </a:r>
             <a:endParaRPr lang="en-US" dirty="0"/>
           </a:p>
@@ -10764,20 +10464,22 @@
           <a:p>
             <a:r>
               <a:rPr lang="en-US" dirty="0" smtClean="0"/>
-              <a:t>Write </a:t>
-            </a:r>
+              <a:t>Loops</a:t>
+            </a:r>
+            <a:endParaRPr lang="en-US" dirty="0" smtClean="0"/>
+          </a:p>
+          <a:p>
             <a:r>
               <a:rPr lang="en-US" dirty="0" smtClean="0"/>
-              <a:t>a program that accepts your first and last name and then prints them combined</a:t>
-            </a:r>
-            <a:endParaRPr lang="en-US" dirty="0"/>
+              <a:t>Using a switch</a:t>
+            </a:r>
           </a:p>
         </p:txBody>
       </p:sp>
     </p:spTree>
     <p:extLst>
       <p:ext uri="{BB962C8B-B14F-4D97-AF65-F5344CB8AC3E}">
-        <p14:creationId xmlns:p14="http://schemas.microsoft.com/office/powerpoint/2010/main" val="486156508"/>
+        <p14:creationId xmlns:p14="http://schemas.microsoft.com/office/powerpoint/2010/main" val="4160253935"/>
       </p:ext>
     </p:extLst>
   </p:cSld>

--- a/meeting-3-conditionals-motor/Girl Scouts LEGO Robotics - Meeting 3 - Conditionals.pptx
+++ b/meeting-3-conditionals-motor/Girl Scouts LEGO Robotics - Meeting 3 - Conditionals.pptx
@@ -5,18 +5,19 @@
     <p:sldMasterId id="2147483660" r:id="rId1"/>
   </p:sldMasterIdLst>
   <p:notesMasterIdLst>
-    <p:notesMasterId r:id="rId11"/>
+    <p:notesMasterId r:id="rId12"/>
   </p:notesMasterIdLst>
   <p:sldIdLst>
     <p:sldId id="256" r:id="rId2"/>
     <p:sldId id="274" r:id="rId3"/>
-    <p:sldId id="281" r:id="rId4"/>
-    <p:sldId id="270" r:id="rId5"/>
-    <p:sldId id="282" r:id="rId6"/>
-    <p:sldId id="280" r:id="rId7"/>
-    <p:sldId id="283" r:id="rId8"/>
-    <p:sldId id="285" r:id="rId9"/>
-    <p:sldId id="264" r:id="rId10"/>
+    <p:sldId id="286" r:id="rId4"/>
+    <p:sldId id="281" r:id="rId5"/>
+    <p:sldId id="270" r:id="rId6"/>
+    <p:sldId id="282" r:id="rId7"/>
+    <p:sldId id="280" r:id="rId8"/>
+    <p:sldId id="283" r:id="rId9"/>
+    <p:sldId id="285" r:id="rId10"/>
+    <p:sldId id="264" r:id="rId11"/>
   </p:sldIdLst>
   <p:sldSz cx="9144000" cy="6858000" type="screen4x3"/>
   <p:notesSz cx="6858000" cy="9144000"/>
@@ -115,7 +116,27 @@
       </a:defRPr>
     </a:lvl9pPr>
   </p:defaultTextStyle>
+  <p:extLst>
+    <p:ext uri="{EFAFB233-063F-42B5-8137-9DF3F51BA10A}">
+      <p15:sldGuideLst xmlns:p15="http://schemas.microsoft.com/office/powerpoint/2012/main">
+        <p15:guide id="1" orient="horz" pos="2160">
+          <p15:clr>
+            <a:srgbClr val="A4A3A4"/>
+          </p15:clr>
+        </p15:guide>
+        <p15:guide id="2" pos="2880">
+          <p15:clr>
+            <a:srgbClr val="A4A3A4"/>
+          </p15:clr>
+        </p15:guide>
+      </p15:sldGuideLst>
+    </p:ext>
+  </p:extLst>
 </p:presentation>
+</file>
+
+<file path=ppt/revisionInfo.xml><?xml version="1.0" encoding="utf-8"?>
+<p1510:revInfo xmlns:a="http://schemas.openxmlformats.org/drawingml/2006/main" xmlns:r="http://schemas.openxmlformats.org/officeDocument/2006/relationships" xmlns:p1510="http://schemas.microsoft.com/office/powerpoint/2015/10/main"/>
 </file>
 
 <file path=ppt/notesMasters/notesMaster1.xml><?xml version="1.0" encoding="utf-8"?>
@@ -264,38 +285,37 @@
           <a:p>
             <a:pPr lvl="0"/>
             <a:r>
-              <a:rPr lang="en-US" smtClean="0"/>
+              <a:rPr lang="en-US"/>
               <a:t>Click to edit Master text styles</a:t>
             </a:r>
           </a:p>
           <a:p>
             <a:pPr lvl="1"/>
             <a:r>
-              <a:rPr lang="en-US" smtClean="0"/>
+              <a:rPr lang="en-US"/>
               <a:t>Second level</a:t>
             </a:r>
           </a:p>
           <a:p>
             <a:pPr lvl="2"/>
             <a:r>
-              <a:rPr lang="en-US" smtClean="0"/>
+              <a:rPr lang="en-US"/>
               <a:t>Third level</a:t>
             </a:r>
           </a:p>
           <a:p>
             <a:pPr lvl="3"/>
             <a:r>
-              <a:rPr lang="en-US" smtClean="0"/>
+              <a:rPr lang="en-US"/>
               <a:t>Fourth level</a:t>
             </a:r>
           </a:p>
           <a:p>
             <a:pPr lvl="4"/>
             <a:r>
-              <a:rPr lang="en-US" smtClean="0"/>
+              <a:rPr lang="en-US"/>
               <a:t>Fifth level</a:t>
             </a:r>
-            <a:endParaRPr lang="en-US"/>
           </a:p>
         </p:txBody>
       </p:sp>
@@ -513,20 +533,19 @@
           <a:lstStyle/>
           <a:p>
             <a:r>
-              <a:rPr lang="en-US" dirty="0" err="1" smtClean="0"/>
+              <a:rPr lang="en-US" dirty="0" err="1"/>
               <a:t>Efrom</a:t>
             </a:r>
             <a:r>
-              <a:rPr lang="en-US" dirty="0" smtClean="0"/>
+              <a:rPr lang="en-US" dirty="0"/>
               <a:t> </a:t>
             </a:r>
           </a:p>
           <a:p>
             <a:r>
-              <a:rPr lang="en-US" dirty="0" smtClean="0"/>
+              <a:rPr lang="en-US" dirty="0"/>
               <a:t>Nathan</a:t>
             </a:r>
-            <a:endParaRPr lang="en-US" dirty="0"/>
           </a:p>
         </p:txBody>
       </p:sp>
@@ -547,7 +566,7 @@
           <a:p>
             <a:fld id="{5444236B-8A05-4286-9B6C-A0A9590B747F}" type="slidenum">
               <a:rPr lang="en-US" smtClean="0"/>
-              <a:t>4</a:t>
+              <a:t>5</a:t>
             </a:fld>
             <a:endParaRPr lang="en-US"/>
           </a:p>
@@ -745,7 +764,7 @@
           </a:lstStyle>
           <a:p>
             <a:r>
-              <a:rPr lang="en-US" smtClean="0"/>
+              <a:rPr lang="en-US"/>
               <a:t>Click to edit Master title style</a:t>
             </a:r>
             <a:endParaRPr lang="en-US" dirty="0"/>
@@ -864,7 +883,7 @@
           </a:lstStyle>
           <a:p>
             <a:r>
-              <a:rPr lang="en-US" smtClean="0"/>
+              <a:rPr lang="en-US"/>
               <a:t>Click to edit Master subtitle style</a:t>
             </a:r>
             <a:endParaRPr lang="en-US" dirty="0"/>
@@ -1070,13 +1089,6 @@
   <p:clrMapOvr>
     <a:masterClrMapping/>
   </p:clrMapOvr>
-  <p:timing>
-    <p:tnLst>
-      <p:par>
-        <p:cTn id="1" dur="indefinite" restart="never" nodeType="tmRoot"/>
-      </p:par>
-    </p:tnLst>
-  </p:timing>
 </p:sldLayout>
 </file>
 
@@ -1113,10 +1125,9 @@
           <a:lstStyle/>
           <a:p>
             <a:r>
-              <a:rPr lang="en-US" smtClean="0"/>
+              <a:rPr lang="en-US"/>
               <a:t>Click to edit Master title style</a:t>
             </a:r>
-            <a:endParaRPr lang="en-US"/>
           </a:p>
         </p:txBody>
       </p:sp>
@@ -1137,38 +1148,37 @@
           <a:p>
             <a:pPr lvl="0"/>
             <a:r>
-              <a:rPr lang="en-US" smtClean="0"/>
+              <a:rPr lang="en-US"/>
               <a:t>Click to edit Master text styles</a:t>
             </a:r>
           </a:p>
           <a:p>
             <a:pPr lvl="1"/>
             <a:r>
-              <a:rPr lang="en-US" smtClean="0"/>
+              <a:rPr lang="en-US"/>
               <a:t>Second level</a:t>
             </a:r>
           </a:p>
           <a:p>
             <a:pPr lvl="2"/>
             <a:r>
-              <a:rPr lang="en-US" smtClean="0"/>
+              <a:rPr lang="en-US"/>
               <a:t>Third level</a:t>
             </a:r>
           </a:p>
           <a:p>
             <a:pPr lvl="3"/>
             <a:r>
-              <a:rPr lang="en-US" smtClean="0"/>
+              <a:rPr lang="en-US"/>
               <a:t>Fourth level</a:t>
             </a:r>
           </a:p>
           <a:p>
             <a:pPr lvl="4"/>
             <a:r>
-              <a:rPr lang="en-US" smtClean="0"/>
+              <a:rPr lang="en-US"/>
               <a:t>Fifth level</a:t>
             </a:r>
-            <a:endParaRPr lang="en-US"/>
           </a:p>
         </p:txBody>
       </p:sp>
@@ -1283,10 +1293,9 @@
           <a:lstStyle/>
           <a:p>
             <a:r>
-              <a:rPr lang="en-US" smtClean="0"/>
+              <a:rPr lang="en-US"/>
               <a:t>Click to edit Master title style</a:t>
             </a:r>
-            <a:endParaRPr lang="en-US"/>
           </a:p>
         </p:txBody>
       </p:sp>
@@ -1312,38 +1321,37 @@
           <a:p>
             <a:pPr lvl="0"/>
             <a:r>
-              <a:rPr lang="en-US" smtClean="0"/>
+              <a:rPr lang="en-US"/>
               <a:t>Click to edit Master text styles</a:t>
             </a:r>
           </a:p>
           <a:p>
             <a:pPr lvl="1"/>
             <a:r>
-              <a:rPr lang="en-US" smtClean="0"/>
+              <a:rPr lang="en-US"/>
               <a:t>Second level</a:t>
             </a:r>
           </a:p>
           <a:p>
             <a:pPr lvl="2"/>
             <a:r>
-              <a:rPr lang="en-US" smtClean="0"/>
+              <a:rPr lang="en-US"/>
               <a:t>Third level</a:t>
             </a:r>
           </a:p>
           <a:p>
             <a:pPr lvl="3"/>
             <a:r>
-              <a:rPr lang="en-US" smtClean="0"/>
+              <a:rPr lang="en-US"/>
               <a:t>Fourth level</a:t>
             </a:r>
           </a:p>
           <a:p>
             <a:pPr lvl="4"/>
             <a:r>
-              <a:rPr lang="en-US" smtClean="0"/>
+              <a:rPr lang="en-US"/>
               <a:t>Fifth level</a:t>
             </a:r>
-            <a:endParaRPr lang="en-US"/>
           </a:p>
         </p:txBody>
       </p:sp>
@@ -1453,10 +1461,9 @@
           <a:lstStyle/>
           <a:p>
             <a:r>
-              <a:rPr lang="en-US" smtClean="0"/>
+              <a:rPr lang="en-US"/>
               <a:t>Click to edit Master title style</a:t>
             </a:r>
-            <a:endParaRPr lang="en-US"/>
           </a:p>
         </p:txBody>
       </p:sp>
@@ -1477,35 +1484,35 @@
           <a:p>
             <a:pPr lvl="0"/>
             <a:r>
-              <a:rPr lang="en-US" smtClean="0"/>
+              <a:rPr lang="en-US"/>
               <a:t>Click to edit Master text styles</a:t>
             </a:r>
           </a:p>
           <a:p>
             <a:pPr lvl="1"/>
             <a:r>
-              <a:rPr lang="en-US" smtClean="0"/>
+              <a:rPr lang="en-US"/>
               <a:t>Second level</a:t>
             </a:r>
           </a:p>
           <a:p>
             <a:pPr lvl="2"/>
             <a:r>
-              <a:rPr lang="en-US" smtClean="0"/>
+              <a:rPr lang="en-US"/>
               <a:t>Third level</a:t>
             </a:r>
           </a:p>
           <a:p>
             <a:pPr lvl="3"/>
             <a:r>
-              <a:rPr lang="en-US" smtClean="0"/>
+              <a:rPr lang="en-US"/>
               <a:t>Fourth level</a:t>
             </a:r>
           </a:p>
           <a:p>
             <a:pPr lvl="4"/>
             <a:r>
-              <a:rPr lang="en-US" smtClean="0"/>
+              <a:rPr lang="en-US"/>
               <a:t>Fifth level</a:t>
             </a:r>
             <a:endParaRPr lang="en-US" dirty="0"/>
@@ -1582,13 +1589,6 @@
   <p:clrMapOvr>
     <a:masterClrMapping/>
   </p:clrMapOvr>
-  <p:timing>
-    <p:tnLst>
-      <p:par>
-        <p:cTn id="1" dur="indefinite" restart="never" nodeType="tmRoot"/>
-      </p:par>
-    </p:tnLst>
-  </p:timing>
 </p:sldLayout>
 </file>
 
@@ -1634,7 +1634,7 @@
           </a:lstStyle>
           <a:p>
             <a:r>
-              <a:rPr lang="en-US" smtClean="0"/>
+              <a:rPr lang="en-US"/>
               <a:t>Click to edit Master title style</a:t>
             </a:r>
             <a:endParaRPr lang="en-US" dirty="0"/>
@@ -1754,7 +1754,7 @@
           <a:p>
             <a:pPr lvl="0"/>
             <a:r>
-              <a:rPr lang="en-US" smtClean="0"/>
+              <a:rPr lang="en-US"/>
               <a:t>Click to edit Master text styles</a:t>
             </a:r>
           </a:p>
@@ -1866,10 +1866,9 @@
           <a:lstStyle/>
           <a:p>
             <a:r>
-              <a:rPr lang="en-US" smtClean="0"/>
+              <a:rPr lang="en-US"/>
               <a:t>Click to edit Master title style</a:t>
             </a:r>
-            <a:endParaRPr lang="en-US"/>
           </a:p>
         </p:txBody>
       </p:sp>
@@ -1960,35 +1959,35 @@
           <a:p>
             <a:pPr lvl="0"/>
             <a:r>
-              <a:rPr lang="en-US" smtClean="0"/>
+              <a:rPr lang="en-US"/>
               <a:t>Click to edit Master text styles</a:t>
             </a:r>
           </a:p>
           <a:p>
             <a:pPr lvl="1"/>
             <a:r>
-              <a:rPr lang="en-US" smtClean="0"/>
+              <a:rPr lang="en-US"/>
               <a:t>Second level</a:t>
             </a:r>
           </a:p>
           <a:p>
             <a:pPr lvl="2"/>
             <a:r>
-              <a:rPr lang="en-US" smtClean="0"/>
+              <a:rPr lang="en-US"/>
               <a:t>Third level</a:t>
             </a:r>
           </a:p>
           <a:p>
             <a:pPr lvl="3"/>
             <a:r>
-              <a:rPr lang="en-US" smtClean="0"/>
+              <a:rPr lang="en-US"/>
               <a:t>Fourth level</a:t>
             </a:r>
           </a:p>
           <a:p>
             <a:pPr lvl="4"/>
             <a:r>
-              <a:rPr lang="en-US" smtClean="0"/>
+              <a:rPr lang="en-US"/>
               <a:t>Fifth level</a:t>
             </a:r>
             <a:endParaRPr lang="en-US" dirty="0"/>
@@ -2017,38 +2016,37 @@
           <a:p>
             <a:pPr lvl="0"/>
             <a:r>
-              <a:rPr lang="en-US" smtClean="0"/>
+              <a:rPr lang="en-US"/>
               <a:t>Click to edit Master text styles</a:t>
             </a:r>
           </a:p>
           <a:p>
             <a:pPr lvl="1"/>
             <a:r>
-              <a:rPr lang="en-US" smtClean="0"/>
+              <a:rPr lang="en-US"/>
               <a:t>Second level</a:t>
             </a:r>
           </a:p>
           <a:p>
             <a:pPr lvl="2"/>
             <a:r>
-              <a:rPr lang="en-US" smtClean="0"/>
+              <a:rPr lang="en-US"/>
               <a:t>Third level</a:t>
             </a:r>
           </a:p>
           <a:p>
             <a:pPr lvl="3"/>
             <a:r>
-              <a:rPr lang="en-US" smtClean="0"/>
+              <a:rPr lang="en-US"/>
               <a:t>Fourth level</a:t>
             </a:r>
           </a:p>
           <a:p>
             <a:pPr lvl="4"/>
             <a:r>
-              <a:rPr lang="en-US" smtClean="0"/>
+              <a:rPr lang="en-US"/>
               <a:t>Fifth level</a:t>
             </a:r>
-            <a:endParaRPr lang="en-US"/>
           </a:p>
         </p:txBody>
       </p:sp>
@@ -2097,10 +2095,9 @@
           </a:lstStyle>
           <a:p>
             <a:r>
-              <a:rPr lang="en-US" smtClean="0"/>
+              <a:rPr lang="en-US"/>
               <a:t>Click to edit Master title style</a:t>
             </a:r>
-            <a:endParaRPr lang="en-US"/>
           </a:p>
         </p:txBody>
       </p:sp>
@@ -2167,7 +2164,7 @@
           <a:p>
             <a:pPr lvl="0"/>
             <a:r>
-              <a:rPr lang="en-US" smtClean="0"/>
+              <a:rPr lang="en-US"/>
               <a:t>Click to edit Master text styles</a:t>
             </a:r>
           </a:p>
@@ -2223,35 +2220,35 @@
           <a:p>
             <a:pPr lvl="0"/>
             <a:r>
-              <a:rPr lang="en-US" smtClean="0"/>
+              <a:rPr lang="en-US"/>
               <a:t>Click to edit Master text styles</a:t>
             </a:r>
           </a:p>
           <a:p>
             <a:pPr lvl="1"/>
             <a:r>
-              <a:rPr lang="en-US" smtClean="0"/>
+              <a:rPr lang="en-US"/>
               <a:t>Second level</a:t>
             </a:r>
           </a:p>
           <a:p>
             <a:pPr lvl="2"/>
             <a:r>
-              <a:rPr lang="en-US" smtClean="0"/>
+              <a:rPr lang="en-US"/>
               <a:t>Third level</a:t>
             </a:r>
           </a:p>
           <a:p>
             <a:pPr lvl="3"/>
             <a:r>
-              <a:rPr lang="en-US" smtClean="0"/>
+              <a:rPr lang="en-US"/>
               <a:t>Fourth level</a:t>
             </a:r>
           </a:p>
           <a:p>
             <a:pPr lvl="4"/>
             <a:r>
-              <a:rPr lang="en-US" smtClean="0"/>
+              <a:rPr lang="en-US"/>
               <a:t>Fifth level</a:t>
             </a:r>
             <a:endParaRPr lang="en-US" dirty="0"/>
@@ -2321,7 +2318,7 @@
           <a:p>
             <a:pPr lvl="0"/>
             <a:r>
-              <a:rPr lang="en-US" smtClean="0"/>
+              <a:rPr lang="en-US"/>
               <a:t>Click to edit Master text styles</a:t>
             </a:r>
           </a:p>
@@ -2377,35 +2374,35 @@
           <a:p>
             <a:pPr lvl="0"/>
             <a:r>
-              <a:rPr lang="en-US" smtClean="0"/>
+              <a:rPr lang="en-US"/>
               <a:t>Click to edit Master text styles</a:t>
             </a:r>
           </a:p>
           <a:p>
             <a:pPr lvl="1"/>
             <a:r>
-              <a:rPr lang="en-US" smtClean="0"/>
+              <a:rPr lang="en-US"/>
               <a:t>Second level</a:t>
             </a:r>
           </a:p>
           <a:p>
             <a:pPr lvl="2"/>
             <a:r>
-              <a:rPr lang="en-US" smtClean="0"/>
+              <a:rPr lang="en-US"/>
               <a:t>Third level</a:t>
             </a:r>
           </a:p>
           <a:p>
             <a:pPr lvl="3"/>
             <a:r>
-              <a:rPr lang="en-US" smtClean="0"/>
+              <a:rPr lang="en-US"/>
               <a:t>Fourth level</a:t>
             </a:r>
           </a:p>
           <a:p>
             <a:pPr lvl="4"/>
             <a:r>
-              <a:rPr lang="en-US" smtClean="0"/>
+              <a:rPr lang="en-US"/>
               <a:t>Fifth level</a:t>
             </a:r>
             <a:endParaRPr lang="en-US" dirty="0"/>
@@ -2518,10 +2515,9 @@
           <a:lstStyle/>
           <a:p>
             <a:r>
-              <a:rPr lang="en-US" smtClean="0"/>
+              <a:rPr lang="en-US"/>
               <a:t>Click to edit Master title style</a:t>
             </a:r>
-            <a:endParaRPr lang="en-US"/>
           </a:p>
         </p:txBody>
       </p:sp>
@@ -5410,35 +5406,35 @@
           <a:p>
             <a:pPr lvl="0"/>
             <a:r>
-              <a:rPr lang="en-US" smtClean="0"/>
+              <a:rPr lang="en-US"/>
               <a:t>Click to edit Master text styles</a:t>
             </a:r>
           </a:p>
           <a:p>
             <a:pPr lvl="1"/>
             <a:r>
-              <a:rPr lang="en-US" smtClean="0"/>
+              <a:rPr lang="en-US"/>
               <a:t>Second level</a:t>
             </a:r>
           </a:p>
           <a:p>
             <a:pPr lvl="2"/>
             <a:r>
-              <a:rPr lang="en-US" smtClean="0"/>
+              <a:rPr lang="en-US"/>
               <a:t>Third level</a:t>
             </a:r>
           </a:p>
           <a:p>
             <a:pPr lvl="3"/>
             <a:r>
-              <a:rPr lang="en-US" smtClean="0"/>
+              <a:rPr lang="en-US"/>
               <a:t>Fourth level</a:t>
             </a:r>
           </a:p>
           <a:p>
             <a:pPr lvl="4"/>
             <a:r>
-              <a:rPr lang="en-US" smtClean="0"/>
+              <a:rPr lang="en-US"/>
               <a:t>Fifth level</a:t>
             </a:r>
             <a:endParaRPr lang="en-US" dirty="0"/>
@@ -5544,10 +5540,9 @@
           </a:lstStyle>
           <a:p>
             <a:r>
-              <a:rPr lang="en-US" smtClean="0"/>
+              <a:rPr lang="en-US"/>
               <a:t>Click to edit Master title style</a:t>
             </a:r>
-            <a:endParaRPr lang="en-US"/>
           </a:p>
         </p:txBody>
       </p:sp>
@@ -5616,7 +5611,7 @@
           <a:p>
             <a:pPr lvl="0"/>
             <a:r>
-              <a:rPr lang="en-US" smtClean="0"/>
+              <a:rPr lang="en-US"/>
               <a:t>Click to edit Master text styles</a:t>
             </a:r>
           </a:p>
@@ -8331,10 +8326,9 @@
           </a:lstStyle>
           <a:p>
             <a:r>
-              <a:rPr lang="en-US" smtClean="0"/>
+              <a:rPr lang="en-US"/>
               <a:t>Click to edit Master title style</a:t>
             </a:r>
-            <a:endParaRPr lang="en-US"/>
           </a:p>
         </p:txBody>
       </p:sp>
@@ -8400,7 +8394,7 @@
           </a:lstStyle>
           <a:p>
             <a:r>
-              <a:rPr lang="en-US" smtClean="0"/>
+              <a:rPr lang="en-US"/>
               <a:t>Click icon to add picture</a:t>
             </a:r>
             <a:endParaRPr lang="en-US" dirty="0"/>
@@ -8472,7 +8466,7 @@
           <a:p>
             <a:pPr lvl="0"/>
             <a:r>
-              <a:rPr lang="en-US" smtClean="0"/>
+              <a:rPr lang="en-US"/>
               <a:t>Click to edit Master text styles</a:t>
             </a:r>
           </a:p>
@@ -8791,7 +8785,7 @@
           <a:lstStyle/>
           <a:p>
             <a:r>
-              <a:rPr lang="en-US" smtClean="0"/>
+              <a:rPr lang="en-US"/>
               <a:t>Click to edit Master title style</a:t>
             </a:r>
             <a:endParaRPr lang="en-US" dirty="0"/>
@@ -8825,35 +8819,35 @@
           <a:p>
             <a:pPr lvl="0"/>
             <a:r>
-              <a:rPr lang="en-US" smtClean="0"/>
+              <a:rPr lang="en-US"/>
               <a:t>Click to edit Master text styles</a:t>
             </a:r>
           </a:p>
           <a:p>
             <a:pPr lvl="1"/>
             <a:r>
-              <a:rPr lang="en-US" smtClean="0"/>
+              <a:rPr lang="en-US"/>
               <a:t>Second level</a:t>
             </a:r>
           </a:p>
           <a:p>
             <a:pPr lvl="2"/>
             <a:r>
-              <a:rPr lang="en-US" smtClean="0"/>
+              <a:rPr lang="en-US"/>
               <a:t>Third level</a:t>
             </a:r>
           </a:p>
           <a:p>
             <a:pPr lvl="3"/>
             <a:r>
-              <a:rPr lang="en-US" smtClean="0"/>
+              <a:rPr lang="en-US"/>
               <a:t>Fourth level</a:t>
             </a:r>
           </a:p>
           <a:p>
             <a:pPr lvl="4"/>
             <a:r>
-              <a:rPr lang="en-US" smtClean="0"/>
+              <a:rPr lang="en-US"/>
               <a:t>Fifth level</a:t>
             </a:r>
             <a:endParaRPr lang="en-US" dirty="0"/>
@@ -8989,13 +8983,6 @@
     <p:sldLayoutId id="2147483670" r:id="rId10"/>
     <p:sldLayoutId id="2147483671" r:id="rId11"/>
   </p:sldLayoutIdLst>
-  <p:timing>
-    <p:tnLst>
-      <p:par>
-        <p:cTn id="1" dur="indefinite" restart="never" nodeType="tmRoot"/>
-      </p:par>
-    </p:tnLst>
-  </p:timing>
   <p:txStyles>
     <p:titleStyle>
       <a:lvl1pPr algn="l" defTabSz="914400" rtl="0" eaLnBrk="1" latinLnBrk="0" hangingPunct="1">
@@ -9376,10 +9363,9 @@
           <a:lstStyle/>
           <a:p>
             <a:r>
-              <a:rPr lang="en-US" dirty="0" smtClean="0"/>
+              <a:rPr lang="en-US" dirty="0"/>
               <a:t>Girl Scouts LEGO Robotics</a:t>
             </a:r>
-            <a:endParaRPr lang="en-US" dirty="0"/>
           </a:p>
         </p:txBody>
       </p:sp>
@@ -9399,38 +9385,17 @@
           <a:lstStyle/>
           <a:p>
             <a:r>
-              <a:rPr lang="en-US" dirty="0" smtClean="0"/>
-              <a:t>Meeting </a:t>
-            </a:r>
-            <a:r>
-              <a:rPr lang="en-US" dirty="0" smtClean="0"/>
-              <a:t>3 </a:t>
-            </a:r>
-            <a:r>
-              <a:rPr lang="en-US" dirty="0" smtClean="0"/>
-              <a:t>– </a:t>
-            </a:r>
-            <a:r>
-              <a:rPr lang="en-US" dirty="0" smtClean="0"/>
-              <a:t>Conditionals</a:t>
-            </a:r>
-            <a:endParaRPr lang="en-US" dirty="0" smtClean="0"/>
-          </a:p>
-          <a:p>
-            <a:endParaRPr lang="en-US" dirty="0" smtClean="0"/>
-          </a:p>
-          <a:p>
-            <a:r>
-              <a:rPr lang="en-US" dirty="0" smtClean="0"/>
-              <a:t>July </a:t>
-            </a:r>
-            <a:r>
-              <a:rPr lang="en-US" dirty="0" smtClean="0"/>
-              <a:t>18, </a:t>
-            </a:r>
-            <a:r>
-              <a:rPr lang="en-US" dirty="0" smtClean="0"/>
-              <a:t>2017</a:t>
+              <a:rPr lang="en-US" dirty="0"/>
+              <a:t>Meeting 3 – Conditionals</a:t>
+            </a:r>
+          </a:p>
+          <a:p>
+            <a:endParaRPr lang="en-US" dirty="0"/>
+          </a:p>
+          <a:p>
+            <a:r>
+              <a:rPr lang="en-US" dirty="0"/>
+              <a:t>July 18, 2017</a:t>
             </a:r>
           </a:p>
           <a:p>
@@ -9448,13 +9413,91 @@
   <p:clrMapOvr>
     <a:masterClrMapping/>
   </p:clrMapOvr>
-  <p:timing>
-    <p:tnLst>
-      <p:par>
-        <p:cTn id="1" dur="indefinite" restart="never" nodeType="tmRoot"/>
-      </p:par>
-    </p:tnLst>
-  </p:timing>
+</p:sld>
+</file>
+
+<file path=ppt/slides/slide10.xml><?xml version="1.0" encoding="utf-8"?>
+<p:sld xmlns:a="http://schemas.openxmlformats.org/drawingml/2006/main" xmlns:r="http://schemas.openxmlformats.org/officeDocument/2006/relationships" xmlns:p="http://schemas.openxmlformats.org/presentationml/2006/main">
+  <p:cSld>
+    <p:spTree>
+      <p:nvGrpSpPr>
+        <p:cNvPr id="1" name=""/>
+        <p:cNvGrpSpPr/>
+        <p:nvPr/>
+      </p:nvGrpSpPr>
+      <p:grpSpPr>
+        <a:xfrm>
+          <a:off x="0" y="0"/>
+          <a:ext cx="0" cy="0"/>
+          <a:chOff x="0" y="0"/>
+          <a:chExt cx="0" cy="0"/>
+        </a:xfrm>
+      </p:grpSpPr>
+      <p:sp>
+        <p:nvSpPr>
+          <p:cNvPr id="2" name="Title 1"/>
+          <p:cNvSpPr>
+            <a:spLocks noGrp="1"/>
+          </p:cNvSpPr>
+          <p:nvPr>
+            <p:ph type="title"/>
+          </p:nvPr>
+        </p:nvSpPr>
+        <p:spPr/>
+        <p:txBody>
+          <a:bodyPr/>
+          <a:lstStyle/>
+          <a:p>
+            <a:r>
+              <a:rPr lang="en-US" dirty="0"/>
+              <a:t>Next</a:t>
+            </a:r>
+            <a:r>
+              <a:rPr lang="en-US" baseline="0" dirty="0"/>
+              <a:t> Meeting</a:t>
+            </a:r>
+            <a:endParaRPr lang="en-US" dirty="0"/>
+          </a:p>
+        </p:txBody>
+      </p:sp>
+      <p:sp>
+        <p:nvSpPr>
+          <p:cNvPr id="3" name="Content Placeholder 2"/>
+          <p:cNvSpPr>
+            <a:spLocks noGrp="1"/>
+          </p:cNvSpPr>
+          <p:nvPr>
+            <p:ph idx="1"/>
+          </p:nvPr>
+        </p:nvSpPr>
+        <p:spPr/>
+        <p:txBody>
+          <a:bodyPr/>
+          <a:lstStyle/>
+          <a:p>
+            <a:r>
+              <a:rPr lang="en-US" dirty="0"/>
+              <a:t>Loops</a:t>
+            </a:r>
+          </a:p>
+          <a:p>
+            <a:r>
+              <a:rPr lang="en-US" dirty="0"/>
+              <a:t>Using a switch</a:t>
+            </a:r>
+          </a:p>
+        </p:txBody>
+      </p:sp>
+    </p:spTree>
+    <p:extLst>
+      <p:ext uri="{BB962C8B-B14F-4D97-AF65-F5344CB8AC3E}">
+        <p14:creationId xmlns:p14="http://schemas.microsoft.com/office/powerpoint/2010/main" val="4160253935"/>
+      </p:ext>
+    </p:extLst>
+  </p:cSld>
+  <p:clrMapOvr>
+    <a:masterClrMapping/>
+  </p:clrMapOvr>
 </p:sld>
 </file>
 
@@ -9491,10 +9534,9 @@
           <a:lstStyle/>
           <a:p>
             <a:r>
-              <a:rPr lang="en-US" dirty="0" smtClean="0"/>
+              <a:rPr lang="en-US" dirty="0"/>
               <a:t>What are we doing today?</a:t>
             </a:r>
-            <a:endParaRPr lang="en-US" dirty="0"/>
           </a:p>
         </p:txBody>
       </p:sp>
@@ -9516,39 +9558,22 @@
           <a:lstStyle/>
           <a:p>
             <a:r>
-              <a:rPr lang="en-US" dirty="0" smtClean="0"/>
+              <a:rPr lang="en-US" dirty="0"/>
               <a:t>Voting on a team name</a:t>
             </a:r>
           </a:p>
           <a:p>
             <a:r>
-              <a:rPr lang="en-US" dirty="0" smtClean="0"/>
-              <a:t>Review </a:t>
-            </a:r>
-            <a:r>
-              <a:rPr lang="en-US" dirty="0" smtClean="0"/>
-              <a:t>your program </a:t>
-            </a:r>
-            <a:r>
-              <a:rPr lang="en-US" dirty="0" smtClean="0"/>
-              <a:t>from </a:t>
-            </a:r>
-            <a:r>
-              <a:rPr lang="en-US" dirty="0" smtClean="0"/>
-              <a:t>last </a:t>
-            </a:r>
-            <a:r>
-              <a:rPr lang="en-US" dirty="0" smtClean="0"/>
-              <a:t>meeting</a:t>
+              <a:rPr lang="en-US" dirty="0"/>
+              <a:t>Review your program from last meeting</a:t>
             </a:r>
           </a:p>
           <a:p>
             <a:pPr lvl="1"/>
             <a:r>
-              <a:rPr lang="en-US" dirty="0" smtClean="0"/>
+              <a:rPr lang="en-US" dirty="0"/>
               <a:t>Any trouble with your homework?</a:t>
             </a:r>
-            <a:endParaRPr lang="en-US" dirty="0" smtClean="0"/>
           </a:p>
           <a:p>
             <a:r>
@@ -9569,36 +9594,31 @@
           </a:p>
           <a:p>
             <a:r>
-              <a:rPr lang="en-US" dirty="0" smtClean="0"/>
-              <a:t>Using </a:t>
-            </a:r>
-            <a:r>
               <a:rPr lang="en-US" dirty="0"/>
-              <a:t>a text editor</a:t>
-            </a:r>
-          </a:p>
-          <a:p>
-            <a:r>
-              <a:rPr lang="en-US" dirty="0" smtClean="0"/>
+              <a:t>Using a text editor</a:t>
+            </a:r>
+          </a:p>
+          <a:p>
+            <a:r>
+              <a:rPr lang="en-US" dirty="0"/>
               <a:t>Conditionals</a:t>
             </a:r>
-            <a:endParaRPr lang="en-US" dirty="0"/>
           </a:p>
           <a:p>
             <a:pPr lvl="1"/>
             <a:r>
-              <a:rPr lang="en-US" dirty="0" smtClean="0"/>
+              <a:rPr lang="en-US" dirty="0"/>
               <a:t>If…Then…Else</a:t>
             </a:r>
           </a:p>
           <a:p>
             <a:pPr lvl="0"/>
             <a:r>
-              <a:rPr lang="en-US" dirty="0" smtClean="0"/>
+              <a:rPr lang="en-US" dirty="0"/>
               <a:t>Looking at the Aquatic</a:t>
             </a:r>
             <a:r>
-              <a:rPr lang="en-US" baseline="0" dirty="0" smtClean="0"/>
+              <a:rPr lang="en-US" baseline="0" dirty="0"/>
               <a:t> Board</a:t>
             </a:r>
             <a:endParaRPr lang="en-US" dirty="0"/>
@@ -9615,17 +9635,119 @@
   <p:clrMapOvr>
     <a:masterClrMapping/>
   </p:clrMapOvr>
-  <p:timing>
-    <p:tnLst>
-      <p:par>
-        <p:cTn id="1" dur="indefinite" restart="never" nodeType="tmRoot"/>
-      </p:par>
-    </p:tnLst>
-  </p:timing>
 </p:sld>
 </file>
 
 <file path=ppt/slides/slide3.xml><?xml version="1.0" encoding="utf-8"?>
+<p:sld xmlns:a="http://schemas.openxmlformats.org/drawingml/2006/main" xmlns:r="http://schemas.openxmlformats.org/officeDocument/2006/relationships" xmlns:p="http://schemas.openxmlformats.org/presentationml/2006/main">
+  <p:cSld>
+    <p:spTree>
+      <p:nvGrpSpPr>
+        <p:cNvPr id="1" name=""/>
+        <p:cNvGrpSpPr/>
+        <p:nvPr/>
+      </p:nvGrpSpPr>
+      <p:grpSpPr>
+        <a:xfrm>
+          <a:off x="0" y="0"/>
+          <a:ext cx="0" cy="0"/>
+          <a:chOff x="0" y="0"/>
+          <a:chExt cx="0" cy="0"/>
+        </a:xfrm>
+      </p:grpSpPr>
+      <p:sp>
+        <p:nvSpPr>
+          <p:cNvPr id="2" name="Title 1">
+            <a:extLst>
+              <a:ext uri="{FF2B5EF4-FFF2-40B4-BE49-F238E27FC236}">
+                <a16:creationId xmlns:a16="http://schemas.microsoft.com/office/drawing/2014/main" id="{4938DF8E-D22C-4622-A43A-8167C44A6D16}"/>
+              </a:ext>
+            </a:extLst>
+          </p:cNvPr>
+          <p:cNvSpPr>
+            <a:spLocks noGrp="1"/>
+          </p:cNvSpPr>
+          <p:nvPr>
+            <p:ph type="title"/>
+          </p:nvPr>
+        </p:nvSpPr>
+        <p:spPr/>
+        <p:txBody>
+          <a:bodyPr/>
+          <a:lstStyle/>
+          <a:p>
+            <a:endParaRPr lang="en-US"/>
+          </a:p>
+        </p:txBody>
+      </p:sp>
+      <p:sp>
+        <p:nvSpPr>
+          <p:cNvPr id="3" name="Content Placeholder 2">
+            <a:extLst>
+              <a:ext uri="{FF2B5EF4-FFF2-40B4-BE49-F238E27FC236}">
+                <a16:creationId xmlns:a16="http://schemas.microsoft.com/office/drawing/2014/main" id="{91803B69-3C2A-416A-A5C8-196A5236BD08}"/>
+              </a:ext>
+            </a:extLst>
+          </p:cNvPr>
+          <p:cNvSpPr>
+            <a:spLocks noGrp="1"/>
+          </p:cNvSpPr>
+          <p:nvPr>
+            <p:ph idx="1"/>
+          </p:nvPr>
+        </p:nvSpPr>
+        <p:spPr/>
+        <p:txBody>
+          <a:bodyPr/>
+          <a:lstStyle/>
+          <a:p>
+            <a:r>
+              <a:rPr lang="en-US" dirty="0"/>
+              <a:t>Lego legends xxx</a:t>
+            </a:r>
+          </a:p>
+          <a:p>
+            <a:r>
+              <a:rPr lang="en-US" b="1" dirty="0"/>
+              <a:t>Cybergirls </a:t>
+            </a:r>
+            <a:r>
+              <a:rPr lang="en-US" b="1" dirty="0" err="1"/>
+              <a:t>xxxx</a:t>
+            </a:r>
+            <a:endParaRPr lang="en-US" b="1" dirty="0"/>
+          </a:p>
+          <a:p>
+            <a:r>
+              <a:rPr lang="en-US" dirty="0"/>
+              <a:t>Lego squad xxx</a:t>
+            </a:r>
+          </a:p>
+          <a:p>
+            <a:r>
+              <a:rPr lang="en-US" dirty="0"/>
+              <a:t>Gear girls </a:t>
+            </a:r>
+          </a:p>
+          <a:p>
+            <a:endParaRPr lang="en-US" dirty="0"/>
+          </a:p>
+        </p:txBody>
+      </p:sp>
+    </p:spTree>
+    <p:extLst>
+      <p:ext uri="{BB962C8B-B14F-4D97-AF65-F5344CB8AC3E}">
+        <p14:creationId xmlns:p14="http://schemas.microsoft.com/office/powerpoint/2010/main" val="3800586822"/>
+      </p:ext>
+    </p:extLst>
+  </p:cSld>
+  <p:clrMapOvr>
+    <a:masterClrMapping/>
+  </p:clrMapOvr>
+</p:sld>
+</file>
+
+<file path=ppt/slides/slide4.xml><?xml version="1.0" encoding="utf-8"?>
 <p:sld xmlns:a="http://schemas.openxmlformats.org/drawingml/2006/main" xmlns:r="http://schemas.openxmlformats.org/officeDocument/2006/relationships" xmlns:p="http://schemas.openxmlformats.org/presentationml/2006/main">
   <p:cSld>
     <p:spTree>
@@ -9658,10 +9780,9 @@
           <a:lstStyle/>
           <a:p>
             <a:r>
-              <a:rPr lang="en-US" dirty="0" smtClean="0"/>
+              <a:rPr lang="en-US" dirty="0"/>
               <a:t>Making the Motor Spin</a:t>
             </a:r>
-            <a:endParaRPr lang="en-US" dirty="0"/>
           </a:p>
         </p:txBody>
       </p:sp>
@@ -9723,9 +9844,8 @@
             </a:r>
             <a:r>
               <a:rPr lang="en-US" dirty="0"/>
-              <a:t>=360,speed_sp=900,stop_action="hold")</a:t>
-            </a:r>
-            <a:endParaRPr lang="en-US" dirty="0"/>
+              <a:t>=360,speed_sp=900)</a:t>
+            </a:r>
           </a:p>
         </p:txBody>
       </p:sp>
@@ -9739,17 +9859,10 @@
   <p:clrMapOvr>
     <a:masterClrMapping/>
   </p:clrMapOvr>
-  <p:timing>
-    <p:tnLst>
-      <p:par>
-        <p:cTn id="1" dur="indefinite" restart="never" nodeType="tmRoot"/>
-      </p:par>
-    </p:tnLst>
-  </p:timing>
 </p:sld>
 </file>
 
-<file path=ppt/slides/slide4.xml><?xml version="1.0" encoding="utf-8"?>
+<file path=ppt/slides/slide5.xml><?xml version="1.0" encoding="utf-8"?>
 <p:sld xmlns:a="http://schemas.openxmlformats.org/drawingml/2006/main" xmlns:r="http://schemas.openxmlformats.org/officeDocument/2006/relationships" xmlns:p="http://schemas.openxmlformats.org/presentationml/2006/main">
   <p:cSld>
     <p:spTree>
@@ -9791,7 +9904,7 @@
           <a:lstStyle/>
           <a:p>
             <a:r>
-              <a:rPr lang="en-US" dirty="0" smtClean="0">
+              <a:rPr lang="en-US" dirty="0">
                 <a:solidFill>
                   <a:schemeClr val="bg1"/>
                 </a:solidFill>
@@ -9801,20 +9914,12 @@
           </a:p>
           <a:p>
             <a:r>
-              <a:rPr lang="en-US" dirty="0" smtClean="0">
-                <a:solidFill>
-                  <a:schemeClr val="bg1"/>
-                </a:solidFill>
-              </a:rPr>
-              <a:t>&gt;&gt;&gt;     </a:t>
-            </a:r>
-            <a:r>
               <a:rPr lang="en-US" dirty="0">
                 <a:solidFill>
                   <a:schemeClr val="bg1"/>
                 </a:solidFill>
               </a:rPr>
-              <a:t>m = </a:t>
+              <a:t>&gt;&gt;&gt;     m = </a:t>
             </a:r>
             <a:r>
               <a:rPr lang="en-US" dirty="0" err="1">
@@ -9841,18 +9946,13 @@
               <a:t>outC</a:t>
             </a:r>
             <a:r>
-              <a:rPr lang="en-US" dirty="0" smtClean="0">
+              <a:rPr lang="en-US" dirty="0">
                 <a:solidFill>
                   <a:schemeClr val="bg1"/>
                 </a:solidFill>
               </a:rPr>
               <a:t>')</a:t>
             </a:r>
-            <a:endParaRPr lang="en-US" dirty="0">
-              <a:solidFill>
-                <a:schemeClr val="bg1"/>
-              </a:solidFill>
-            </a:endParaRPr>
           </a:p>
           <a:p>
             <a:r>
@@ -9893,18 +9993,10 @@
                   <a:schemeClr val="bg1"/>
                 </a:solidFill>
               </a:rPr>
-              <a:t>=360</a:t>
-            </a:r>
-            <a:r>
-              <a:rPr lang="en-US" dirty="0" smtClean="0">
-                <a:solidFill>
-                  <a:schemeClr val="bg1"/>
-                </a:solidFill>
-              </a:rPr>
-              <a:t>, </a:t>
-            </a:r>
-            <a:r>
-              <a:rPr lang="en-US" dirty="0" err="1" smtClean="0">
+              <a:t>=360, </a:t>
+            </a:r>
+            <a:r>
+              <a:rPr lang="en-US" dirty="0" err="1">
                 <a:solidFill>
                   <a:schemeClr val="bg1"/>
                 </a:solidFill>
@@ -9912,7 +10004,7 @@
               <a:t>speed_sp</a:t>
             </a:r>
             <a:r>
-              <a:rPr lang="en-US" dirty="0" smtClean="0">
+              <a:rPr lang="en-US" dirty="0">
                 <a:solidFill>
                   <a:schemeClr val="bg1"/>
                 </a:solidFill>
@@ -9920,7 +10012,7 @@
               <a:t>=900, </a:t>
             </a:r>
             <a:r>
-              <a:rPr lang="en-US" dirty="0" err="1" smtClean="0">
+              <a:rPr lang="en-US" dirty="0" err="1">
                 <a:solidFill>
                   <a:schemeClr val="bg1"/>
                 </a:solidFill>
@@ -9935,11 +10027,6 @@
               </a:rPr>
               <a:t>="hold")</a:t>
             </a:r>
-            <a:endParaRPr lang="en-US" dirty="0">
-              <a:solidFill>
-                <a:schemeClr val="bg1"/>
-              </a:solidFill>
-            </a:endParaRPr>
           </a:p>
         </p:txBody>
       </p:sp>
@@ -9966,22 +10053,17 @@
           <a:lstStyle/>
           <a:p>
             <a:r>
-              <a:rPr lang="en-US" dirty="0" smtClean="0"/>
+              <a:rPr lang="en-US" dirty="0"/>
               <a:t>Hands-on</a:t>
             </a:r>
             <a:r>
-              <a:rPr lang="en-US" baseline="0" dirty="0" smtClean="0"/>
+              <a:rPr lang="en-US" baseline="0" dirty="0"/>
               <a:t> </a:t>
             </a:r>
             <a:r>
-              <a:rPr lang="en-US" dirty="0" smtClean="0"/>
-              <a:t>1 – </a:t>
-            </a:r>
-            <a:r>
-              <a:rPr lang="en-US" dirty="0" smtClean="0"/>
-              <a:t>Spin the Motor</a:t>
-            </a:r>
-            <a:endParaRPr lang="en-US" dirty="0"/>
+              <a:rPr lang="en-US" dirty="0"/>
+              <a:t>1 – Spin the Motor</a:t>
+            </a:r>
           </a:p>
         </p:txBody>
       </p:sp>
@@ -9995,106 +10077,6 @@
   <p:clrMapOvr>
     <a:masterClrMapping/>
   </p:clrMapOvr>
-  <p:timing>
-    <p:tnLst>
-      <p:par>
-        <p:cTn id="1" dur="indefinite" restart="never" nodeType="tmRoot"/>
-      </p:par>
-    </p:tnLst>
-  </p:timing>
-</p:sld>
-</file>
-
-<file path=ppt/slides/slide5.xml><?xml version="1.0" encoding="utf-8"?>
-<p:sld xmlns:a="http://schemas.openxmlformats.org/drawingml/2006/main" xmlns:r="http://schemas.openxmlformats.org/officeDocument/2006/relationships" xmlns:p="http://schemas.openxmlformats.org/presentationml/2006/main">
-  <p:cSld>
-    <p:spTree>
-      <p:nvGrpSpPr>
-        <p:cNvPr id="1" name=""/>
-        <p:cNvGrpSpPr/>
-        <p:nvPr/>
-      </p:nvGrpSpPr>
-      <p:grpSpPr>
-        <a:xfrm>
-          <a:off x="0" y="0"/>
-          <a:ext cx="0" cy="0"/>
-          <a:chOff x="0" y="0"/>
-          <a:chExt cx="0" cy="0"/>
-        </a:xfrm>
-      </p:grpSpPr>
-      <p:sp>
-        <p:nvSpPr>
-          <p:cNvPr id="2" name="Title 1"/>
-          <p:cNvSpPr>
-            <a:spLocks noGrp="1"/>
-          </p:cNvSpPr>
-          <p:nvPr>
-            <p:ph type="title"/>
-          </p:nvPr>
-        </p:nvSpPr>
-        <p:spPr/>
-        <p:txBody>
-          <a:bodyPr/>
-          <a:lstStyle/>
-          <a:p>
-            <a:r>
-              <a:rPr lang="en-US" dirty="0" smtClean="0"/>
-              <a:t>The Fidget</a:t>
-            </a:r>
-            <a:r>
-              <a:rPr lang="en-US" baseline="0" dirty="0" smtClean="0"/>
-              <a:t> Spinner </a:t>
-            </a:r>
-            <a:r>
-              <a:rPr lang="en-US" baseline="0" dirty="0" err="1" smtClean="0"/>
-              <a:t>Spinner</a:t>
-            </a:r>
-            <a:endParaRPr lang="en-US" dirty="0"/>
-          </a:p>
-        </p:txBody>
-      </p:sp>
-      <p:sp>
-        <p:nvSpPr>
-          <p:cNvPr id="3" name="Content Placeholder 2"/>
-          <p:cNvSpPr>
-            <a:spLocks noGrp="1"/>
-          </p:cNvSpPr>
-          <p:nvPr>
-            <p:ph idx="1"/>
-          </p:nvPr>
-        </p:nvSpPr>
-        <p:spPr/>
-        <p:txBody>
-          <a:bodyPr/>
-          <a:lstStyle/>
-          <a:p>
-            <a:r>
-              <a:rPr lang="en-US" dirty="0" smtClean="0"/>
-              <a:t>Same things you just learned</a:t>
-            </a:r>
-          </a:p>
-          <a:p>
-            <a:endParaRPr lang="en-US" dirty="0"/>
-          </a:p>
-        </p:txBody>
-      </p:sp>
-    </p:spTree>
-    <p:extLst>
-      <p:ext uri="{BB962C8B-B14F-4D97-AF65-F5344CB8AC3E}">
-        <p14:creationId xmlns:p14="http://schemas.microsoft.com/office/powerpoint/2010/main" val="1164079298"/>
-      </p:ext>
-    </p:extLst>
-  </p:cSld>
-  <p:clrMapOvr>
-    <a:masterClrMapping/>
-  </p:clrMapOvr>
-  <p:timing>
-    <p:tnLst>
-      <p:par>
-        <p:cTn id="1" dur="indefinite" restart="never" nodeType="tmRoot"/>
-      </p:par>
-    </p:tnLst>
-  </p:timing>
 </p:sld>
 </file>
 
@@ -10127,14 +10109,20 @@
         </p:nvSpPr>
         <p:spPr/>
         <p:txBody>
-          <a:bodyPr>
-            <a:normAutofit/>
-          </a:bodyPr>
+          <a:bodyPr/>
           <a:lstStyle/>
           <a:p>
             <a:r>
-              <a:rPr lang="en-US" dirty="0" smtClean="0"/>
-              <a:t>Using a Text Editor</a:t>
+              <a:rPr lang="en-US" dirty="0"/>
+              <a:t>The Fidget</a:t>
+            </a:r>
+            <a:r>
+              <a:rPr lang="en-US" baseline="0" dirty="0"/>
+              <a:t> Spinner </a:t>
+            </a:r>
+            <a:r>
+              <a:rPr lang="en-US" baseline="0" dirty="0" err="1"/>
+              <a:t>Spinner</a:t>
             </a:r>
             <a:endParaRPr lang="en-US" dirty="0"/>
           </a:p>
@@ -10155,27 +10143,26 @@
           <a:bodyPr/>
           <a:lstStyle/>
           <a:p>
-            <a:endParaRPr lang="en-US" dirty="0" smtClean="0"/>
+            <a:r>
+              <a:rPr lang="en-US" dirty="0"/>
+              <a:t>Same things you just learned</a:t>
+            </a:r>
+          </a:p>
+          <a:p>
+            <a:endParaRPr lang="en-US" dirty="0"/>
           </a:p>
         </p:txBody>
       </p:sp>
     </p:spTree>
     <p:extLst>
       <p:ext uri="{BB962C8B-B14F-4D97-AF65-F5344CB8AC3E}">
-        <p14:creationId xmlns:p14="http://schemas.microsoft.com/office/powerpoint/2010/main" val="1436682877"/>
+        <p14:creationId xmlns:p14="http://schemas.microsoft.com/office/powerpoint/2010/main" val="1164079298"/>
       </p:ext>
     </p:extLst>
   </p:cSld>
   <p:clrMapOvr>
     <a:masterClrMapping/>
   </p:clrMapOvr>
-  <p:timing>
-    <p:tnLst>
-      <p:par>
-        <p:cTn id="1" dur="indefinite" restart="never" nodeType="tmRoot"/>
-      </p:par>
-    </p:tnLst>
-  </p:timing>
 </p:sld>
 </file>
 
@@ -10214,10 +10201,9 @@
           <a:lstStyle/>
           <a:p>
             <a:r>
-              <a:rPr lang="en-US" dirty="0" smtClean="0"/>
-              <a:t>Conditionals</a:t>
-            </a:r>
-            <a:endParaRPr lang="en-US" dirty="0"/>
+              <a:rPr lang="en-US" dirty="0"/>
+              <a:t>Using a Text Editor</a:t>
+            </a:r>
           </a:p>
         </p:txBody>
       </p:sp>
@@ -10236,62 +10222,6 @@
           <a:bodyPr/>
           <a:lstStyle/>
           <a:p>
-            <a:pPr lvl="1"/>
-            <a:r>
-              <a:rPr lang="en-US" dirty="0" smtClean="0"/>
-              <a:t>IF…ELSE</a:t>
-            </a:r>
-          </a:p>
-          <a:p>
-            <a:pPr lvl="1"/>
-            <a:r>
-              <a:rPr lang="en-US" dirty="0" smtClean="0"/>
-              <a:t>if flip == 1:</a:t>
-            </a:r>
-          </a:p>
-          <a:p>
-            <a:pPr lvl="2"/>
-            <a:r>
-              <a:rPr lang="en-US" dirty="0" err="1" smtClean="0"/>
-              <a:t>sound.speak</a:t>
-            </a:r>
-            <a:r>
-              <a:rPr lang="en-US" dirty="0" smtClean="0"/>
-              <a:t>(“heads”).</a:t>
-            </a:r>
-            <a:r>
-              <a:rPr lang="en-US" dirty="0"/>
-              <a:t>wait</a:t>
-            </a:r>
-            <a:r>
-              <a:rPr lang="en-US" dirty="0" smtClean="0"/>
-              <a:t>()</a:t>
-            </a:r>
-          </a:p>
-          <a:p>
-            <a:pPr lvl="1"/>
-            <a:r>
-              <a:rPr lang="en-US" dirty="0" smtClean="0"/>
-              <a:t>Else:</a:t>
-            </a:r>
-          </a:p>
-          <a:p>
-            <a:pPr lvl="2"/>
-            <a:r>
-              <a:rPr lang="en-US" dirty="0" err="1"/>
-              <a:t>sound.speak</a:t>
-            </a:r>
-            <a:r>
-              <a:rPr lang="en-US" smtClean="0"/>
-              <a:t>(“tails”).</a:t>
-            </a:r>
-            <a:r>
-              <a:rPr lang="en-US" dirty="0"/>
-              <a:t>wait()</a:t>
-            </a:r>
-          </a:p>
-          <a:p>
-            <a:pPr lvl="2"/>
             <a:endParaRPr lang="en-US" dirty="0"/>
           </a:p>
         </p:txBody>
@@ -10299,20 +10229,13 @@
     </p:spTree>
     <p:extLst>
       <p:ext uri="{BB962C8B-B14F-4D97-AF65-F5344CB8AC3E}">
-        <p14:creationId xmlns:p14="http://schemas.microsoft.com/office/powerpoint/2010/main" val="4022852269"/>
+        <p14:creationId xmlns:p14="http://schemas.microsoft.com/office/powerpoint/2010/main" val="1436682877"/>
       </p:ext>
     </p:extLst>
   </p:cSld>
   <p:clrMapOvr>
     <a:masterClrMapping/>
   </p:clrMapOvr>
-  <p:timing>
-    <p:tnLst>
-      <p:par>
-        <p:cTn id="1" dur="indefinite" restart="never" nodeType="tmRoot"/>
-      </p:par>
-    </p:tnLst>
-  </p:timing>
 </p:sld>
 </file>
 
@@ -10345,14 +10268,15 @@
         </p:nvSpPr>
         <p:spPr/>
         <p:txBody>
-          <a:bodyPr/>
+          <a:bodyPr>
+            <a:normAutofit/>
+          </a:bodyPr>
           <a:lstStyle/>
           <a:p>
             <a:r>
-              <a:rPr lang="en-US" dirty="0" smtClean="0"/>
-              <a:t>Homework</a:t>
-            </a:r>
-            <a:endParaRPr lang="en-US" dirty="0"/>
+              <a:rPr lang="en-US" dirty="0"/>
+              <a:t>Conditionals</a:t>
+            </a:r>
           </a:p>
         </p:txBody>
       </p:sp>
@@ -10371,14 +10295,69 @@
           <a:bodyPr/>
           <a:lstStyle/>
           <a:p>
-            <a:r>
-              <a:rPr lang="en-US" dirty="0" smtClean="0"/>
-              <a:t>Write </a:t>
-            </a:r>
-            <a:r>
-              <a:rPr lang="en-US" dirty="0" smtClean="0"/>
-              <a:t>a program that accepts your first and last name and then prints them combined</a:t>
-            </a:r>
+            <a:pPr lvl="1"/>
+            <a:r>
+              <a:rPr lang="en-US" dirty="0"/>
+              <a:t>IF…ELSE</a:t>
+            </a:r>
+          </a:p>
+          <a:p>
+            <a:pPr lvl="1"/>
+            <a:r>
+              <a:rPr lang="en-US" dirty="0"/>
+              <a:t>if flip == 1:</a:t>
+            </a:r>
+          </a:p>
+          <a:p>
+            <a:pPr lvl="2"/>
+            <a:r>
+              <a:rPr lang="en-US" dirty="0" err="1"/>
+              <a:t>sound.speak</a:t>
+            </a:r>
+            <a:r>
+              <a:rPr lang="en-US" dirty="0"/>
+              <a:t>(“heads”).wait()</a:t>
+            </a:r>
+          </a:p>
+          <a:p>
+            <a:pPr lvl="1"/>
+            <a:r>
+              <a:rPr lang="en-US" dirty="0"/>
+              <a:t>Else:</a:t>
+            </a:r>
+          </a:p>
+          <a:p>
+            <a:pPr lvl="2"/>
+            <a:r>
+              <a:rPr lang="en-US" dirty="0" err="1"/>
+              <a:t>sound.speak</a:t>
+            </a:r>
+            <a:r>
+              <a:rPr lang="en-US" dirty="0"/>
+              <a:t>(“tails”).wait()</a:t>
+            </a:r>
+          </a:p>
+          <a:p>
+            <a:pPr lvl="2"/>
+            <a:endParaRPr lang="en-US" dirty="0"/>
+          </a:p>
+          <a:p>
+            <a:pPr lvl="2"/>
+            <a:r>
+              <a:rPr lang="en-US" dirty="0" err="1"/>
+              <a:t>Rockin</a:t>
+            </a:r>
+            <a:r>
+              <a:rPr lang="en-US"/>
+              <a:t> robots</a:t>
+            </a:r>
+          </a:p>
+          <a:p>
+            <a:pPr lvl="2"/>
+            <a:endParaRPr lang="en-US" dirty="0"/>
+          </a:p>
+          <a:p>
+            <a:pPr lvl="2"/>
             <a:endParaRPr lang="en-US" dirty="0"/>
           </a:p>
         </p:txBody>
@@ -10386,20 +10365,13 @@
     </p:spTree>
     <p:extLst>
       <p:ext uri="{BB962C8B-B14F-4D97-AF65-F5344CB8AC3E}">
-        <p14:creationId xmlns:p14="http://schemas.microsoft.com/office/powerpoint/2010/main" val="486156508"/>
+        <p14:creationId xmlns:p14="http://schemas.microsoft.com/office/powerpoint/2010/main" val="4022852269"/>
       </p:ext>
     </p:extLst>
   </p:cSld>
   <p:clrMapOvr>
     <a:masterClrMapping/>
   </p:clrMapOvr>
-  <p:timing>
-    <p:tnLst>
-      <p:par>
-        <p:cTn id="1" dur="indefinite" restart="never" nodeType="tmRoot"/>
-      </p:par>
-    </p:tnLst>
-  </p:timing>
 </p:sld>
 </file>
 
@@ -10436,14 +10408,9 @@
           <a:lstStyle/>
           <a:p>
             <a:r>
-              <a:rPr lang="en-US" dirty="0" smtClean="0"/>
-              <a:t>Next</a:t>
-            </a:r>
-            <a:r>
-              <a:rPr lang="en-US" baseline="0" dirty="0" smtClean="0"/>
-              <a:t> Meeting</a:t>
-            </a:r>
-            <a:endParaRPr lang="en-US" dirty="0"/>
+              <a:rPr lang="en-US" dirty="0"/>
+              <a:t>Homework</a:t>
+            </a:r>
           </a:p>
         </p:txBody>
       </p:sp>
@@ -10463,15 +10430,8 @@
           <a:lstStyle/>
           <a:p>
             <a:r>
-              <a:rPr lang="en-US" dirty="0" smtClean="0"/>
-              <a:t>Loops</a:t>
-            </a:r>
-            <a:endParaRPr lang="en-US" dirty="0" smtClean="0"/>
-          </a:p>
-          <a:p>
-            <a:r>
-              <a:rPr lang="en-US" dirty="0" smtClean="0"/>
-              <a:t>Using a switch</a:t>
+              <a:rPr lang="en-US" dirty="0"/>
+              <a:t>Write a program that accepts your first and last name and then prints them combined</a:t>
             </a:r>
           </a:p>
         </p:txBody>
@@ -10479,20 +10439,13 @@
     </p:spTree>
     <p:extLst>
       <p:ext uri="{BB962C8B-B14F-4D97-AF65-F5344CB8AC3E}">
-        <p14:creationId xmlns:p14="http://schemas.microsoft.com/office/powerpoint/2010/main" val="4160253935"/>
+        <p14:creationId xmlns:p14="http://schemas.microsoft.com/office/powerpoint/2010/main" val="486156508"/>
       </p:ext>
     </p:extLst>
   </p:cSld>
   <p:clrMapOvr>
     <a:masterClrMapping/>
   </p:clrMapOvr>
-  <p:timing>
-    <p:tnLst>
-      <p:par>
-        <p:cTn id="1" dur="indefinite" restart="never" nodeType="tmRoot"/>
-      </p:par>
-    </p:tnLst>
-  </p:timing>
 </p:sld>
 </file>
 
